--- a/ACアクセスログを覗くv0.2.pptx
+++ b/ACアクセスログを覗くv0.2.pptx
@@ -30571,7 +30571,7 @@
               <a:pPr>
                 <a:defRPr/>
               </a:pPr>
-              <a:t>2022/11/2</a:t>
+              <a:t>2022/11/30</a:t>
             </a:fld>
             <a:endParaRPr lang="en-US" altLang="ja-JP"/>
           </a:p>
@@ -30873,7 +30873,7 @@
               <a:pPr>
                 <a:defRPr/>
               </a:pPr>
-              <a:t>2022/11/2</a:t>
+              <a:t>2022/11/30</a:t>
             </a:fld>
             <a:endParaRPr lang="en-US" altLang="ja-JP"/>
           </a:p>
@@ -37744,6 +37744,9 @@
         </p:txBody>
       </p:sp>
     </p:spTree>
+    <p:custDataLst>
+      <p:tags r:id="rId1"/>
+    </p:custDataLst>
   </p:cSld>
   <p:clrMapOvr>
     <a:masterClrMapping/>
@@ -38114,7 +38117,7 @@
         </p:xfrm>
         <a:graphic>
           <a:graphicData uri="http://schemas.openxmlformats.org/drawingml/2006/chart">
-            <c:chart xmlns:c="http://schemas.openxmlformats.org/drawingml/2006/chart" xmlns:r="http://schemas.openxmlformats.org/officeDocument/2006/relationships" r:id="rId3"/>
+            <c:chart xmlns:c="http://schemas.openxmlformats.org/drawingml/2006/chart" xmlns:r="http://schemas.openxmlformats.org/officeDocument/2006/relationships" r:id="rId4"/>
           </a:graphicData>
         </a:graphic>
       </p:graphicFrame>
@@ -38424,6 +38427,9 @@
         </p:txBody>
       </p:sp>
     </p:spTree>
+    <p:custDataLst>
+      <p:tags r:id="rId1"/>
+    </p:custDataLst>
     <p:extLst>
       <p:ext uri="{BB962C8B-B14F-4D97-AF65-F5344CB8AC3E}">
         <p14:creationId xmlns:p14="http://schemas.microsoft.com/office/powerpoint/2010/main" val="3610364224"/>
@@ -38613,7 +38619,7 @@
         </p:xfrm>
         <a:graphic>
           <a:graphicData uri="http://schemas.openxmlformats.org/drawingml/2006/chart">
-            <c:chart xmlns:c="http://schemas.openxmlformats.org/drawingml/2006/chart" xmlns:r="http://schemas.openxmlformats.org/officeDocument/2006/relationships" r:id="rId3"/>
+            <c:chart xmlns:c="http://schemas.openxmlformats.org/drawingml/2006/chart" xmlns:r="http://schemas.openxmlformats.org/officeDocument/2006/relationships" r:id="rId4"/>
           </a:graphicData>
         </a:graphic>
       </p:graphicFrame>
@@ -40051,6 +40057,9 @@
         </p:txBody>
       </p:sp>
     </p:spTree>
+    <p:custDataLst>
+      <p:tags r:id="rId1"/>
+    </p:custDataLst>
     <p:extLst>
       <p:ext uri="{BB962C8B-B14F-4D97-AF65-F5344CB8AC3E}">
         <p14:creationId xmlns:p14="http://schemas.microsoft.com/office/powerpoint/2010/main" val="1470026940"/>
@@ -40829,6 +40838,9 @@
         </p:txBody>
       </p:sp>
     </p:spTree>
+    <p:custDataLst>
+      <p:tags r:id="rId1"/>
+    </p:custDataLst>
     <p:extLst>
       <p:ext uri="{BB962C8B-B14F-4D97-AF65-F5344CB8AC3E}">
         <p14:creationId xmlns:p14="http://schemas.microsoft.com/office/powerpoint/2010/main" val="3197047105"/>
@@ -40882,7 +40894,7 @@
         </p:xfrm>
         <a:graphic>
           <a:graphicData uri="http://schemas.openxmlformats.org/drawingml/2006/chart">
-            <c:chart xmlns:c="http://schemas.openxmlformats.org/drawingml/2006/chart" xmlns:r="http://schemas.openxmlformats.org/officeDocument/2006/relationships" r:id="rId3"/>
+            <c:chart xmlns:c="http://schemas.openxmlformats.org/drawingml/2006/chart" xmlns:r="http://schemas.openxmlformats.org/officeDocument/2006/relationships" r:id="rId4"/>
           </a:graphicData>
         </a:graphic>
       </p:graphicFrame>
@@ -40910,7 +40922,7 @@
         </p:xfrm>
         <a:graphic>
           <a:graphicData uri="http://schemas.openxmlformats.org/drawingml/2006/chart">
-            <c:chart xmlns:c="http://schemas.openxmlformats.org/drawingml/2006/chart" xmlns:r="http://schemas.openxmlformats.org/officeDocument/2006/relationships" r:id="rId4"/>
+            <c:chart xmlns:c="http://schemas.openxmlformats.org/drawingml/2006/chart" xmlns:r="http://schemas.openxmlformats.org/officeDocument/2006/relationships" r:id="rId5"/>
           </a:graphicData>
         </a:graphic>
       </p:graphicFrame>
@@ -41443,6 +41455,9 @@
         </p:txBody>
       </p:sp>
     </p:spTree>
+    <p:custDataLst>
+      <p:tags r:id="rId1"/>
+    </p:custDataLst>
     <p:extLst>
       <p:ext uri="{BB962C8B-B14F-4D97-AF65-F5344CB8AC3E}">
         <p14:creationId xmlns:p14="http://schemas.microsoft.com/office/powerpoint/2010/main" val="958063401"/>
@@ -41496,7 +41511,7 @@
         </p:xfrm>
         <a:graphic>
           <a:graphicData uri="http://schemas.openxmlformats.org/drawingml/2006/chart">
-            <c:chart xmlns:c="http://schemas.openxmlformats.org/drawingml/2006/chart" xmlns:r="http://schemas.openxmlformats.org/officeDocument/2006/relationships" r:id="rId3"/>
+            <c:chart xmlns:c="http://schemas.openxmlformats.org/drawingml/2006/chart" xmlns:r="http://schemas.openxmlformats.org/officeDocument/2006/relationships" r:id="rId4"/>
           </a:graphicData>
         </a:graphic>
       </p:graphicFrame>
@@ -41524,7 +41539,7 @@
         </p:xfrm>
         <a:graphic>
           <a:graphicData uri="http://schemas.openxmlformats.org/drawingml/2006/chart">
-            <c:chart xmlns:c="http://schemas.openxmlformats.org/drawingml/2006/chart" xmlns:r="http://schemas.openxmlformats.org/officeDocument/2006/relationships" r:id="rId4"/>
+            <c:chart xmlns:c="http://schemas.openxmlformats.org/drawingml/2006/chart" xmlns:r="http://schemas.openxmlformats.org/officeDocument/2006/relationships" r:id="rId5"/>
           </a:graphicData>
         </a:graphic>
       </p:graphicFrame>
@@ -42035,6 +42050,9 @@
         </p:txBody>
       </p:sp>
     </p:spTree>
+    <p:custDataLst>
+      <p:tags r:id="rId1"/>
+    </p:custDataLst>
     <p:extLst>
       <p:ext uri="{BB962C8B-B14F-4D97-AF65-F5344CB8AC3E}">
         <p14:creationId xmlns:p14="http://schemas.microsoft.com/office/powerpoint/2010/main" val="2872349100"/>
@@ -42088,7 +42106,7 @@
         </p:xfrm>
         <a:graphic>
           <a:graphicData uri="http://schemas.openxmlformats.org/drawingml/2006/chart">
-            <c:chart xmlns:c="http://schemas.openxmlformats.org/drawingml/2006/chart" xmlns:r="http://schemas.openxmlformats.org/officeDocument/2006/relationships" r:id="rId3"/>
+            <c:chart xmlns:c="http://schemas.openxmlformats.org/drawingml/2006/chart" xmlns:r="http://schemas.openxmlformats.org/officeDocument/2006/relationships" r:id="rId4"/>
           </a:graphicData>
         </a:graphic>
       </p:graphicFrame>
@@ -42708,7 +42726,7 @@
         </p:xfrm>
         <a:graphic>
           <a:graphicData uri="http://schemas.openxmlformats.org/drawingml/2006/chart">
-            <c:chart xmlns:c="http://schemas.openxmlformats.org/drawingml/2006/chart" xmlns:r="http://schemas.openxmlformats.org/officeDocument/2006/relationships" r:id="rId4"/>
+            <c:chart xmlns:c="http://schemas.openxmlformats.org/drawingml/2006/chart" xmlns:r="http://schemas.openxmlformats.org/officeDocument/2006/relationships" r:id="rId5"/>
           </a:graphicData>
         </a:graphic>
       </p:graphicFrame>
@@ -42892,6 +42910,9 @@
         </p:style>
       </p:cxnSp>
     </p:spTree>
+    <p:custDataLst>
+      <p:tags r:id="rId1"/>
+    </p:custDataLst>
     <p:extLst>
       <p:ext uri="{BB962C8B-B14F-4D97-AF65-F5344CB8AC3E}">
         <p14:creationId xmlns:p14="http://schemas.microsoft.com/office/powerpoint/2010/main" val="3177290440"/>
@@ -42945,7 +42966,7 @@
         </p:xfrm>
         <a:graphic>
           <a:graphicData uri="http://schemas.openxmlformats.org/drawingml/2006/chart">
-            <c:chart xmlns:c="http://schemas.openxmlformats.org/drawingml/2006/chart" xmlns:r="http://schemas.openxmlformats.org/officeDocument/2006/relationships" r:id="rId3"/>
+            <c:chart xmlns:c="http://schemas.openxmlformats.org/drawingml/2006/chart" xmlns:r="http://schemas.openxmlformats.org/officeDocument/2006/relationships" r:id="rId4"/>
           </a:graphicData>
         </a:graphic>
       </p:graphicFrame>
@@ -43301,7 +43322,7 @@
         </p:xfrm>
         <a:graphic>
           <a:graphicData uri="http://schemas.openxmlformats.org/drawingml/2006/chart">
-            <c:chart xmlns:c="http://schemas.openxmlformats.org/drawingml/2006/chart" xmlns:r="http://schemas.openxmlformats.org/officeDocument/2006/relationships" r:id="rId4"/>
+            <c:chart xmlns:c="http://schemas.openxmlformats.org/drawingml/2006/chart" xmlns:r="http://schemas.openxmlformats.org/officeDocument/2006/relationships" r:id="rId5"/>
           </a:graphicData>
         </a:graphic>
       </p:graphicFrame>
@@ -43536,6 +43557,9 @@
         </p:txBody>
       </p:sp>
     </p:spTree>
+    <p:custDataLst>
+      <p:tags r:id="rId1"/>
+    </p:custDataLst>
     <p:extLst>
       <p:ext uri="{BB962C8B-B14F-4D97-AF65-F5344CB8AC3E}">
         <p14:creationId xmlns:p14="http://schemas.microsoft.com/office/powerpoint/2010/main" val="3615910495"/>
@@ -43583,7 +43607,7 @@
         </p:xfrm>
         <a:graphic>
           <a:graphicData uri="http://schemas.openxmlformats.org/drawingml/2006/chart">
-            <c:chart xmlns:c="http://schemas.openxmlformats.org/drawingml/2006/chart" xmlns:r="http://schemas.openxmlformats.org/officeDocument/2006/relationships" r:id="rId3"/>
+            <c:chart xmlns:c="http://schemas.openxmlformats.org/drawingml/2006/chart" xmlns:r="http://schemas.openxmlformats.org/officeDocument/2006/relationships" r:id="rId4"/>
           </a:graphicData>
         </a:graphic>
       </p:graphicFrame>
@@ -44221,7 +44245,7 @@
         </p:xfrm>
         <a:graphic>
           <a:graphicData uri="http://schemas.openxmlformats.org/drawingml/2006/chart">
-            <c:chart xmlns:c="http://schemas.openxmlformats.org/drawingml/2006/chart" xmlns:r="http://schemas.openxmlformats.org/officeDocument/2006/relationships" r:id="rId4"/>
+            <c:chart xmlns:c="http://schemas.openxmlformats.org/drawingml/2006/chart" xmlns:r="http://schemas.openxmlformats.org/officeDocument/2006/relationships" r:id="rId5"/>
           </a:graphicData>
         </a:graphic>
       </p:graphicFrame>
@@ -44462,6 +44486,9 @@
         </p:txBody>
       </p:sp>
     </p:spTree>
+    <p:custDataLst>
+      <p:tags r:id="rId1"/>
+    </p:custDataLst>
     <p:extLst>
       <p:ext uri="{BB962C8B-B14F-4D97-AF65-F5344CB8AC3E}">
         <p14:creationId xmlns:p14="http://schemas.microsoft.com/office/powerpoint/2010/main" val="2062968873"/>
@@ -44597,7 +44624,7 @@
         </p:xfrm>
         <a:graphic>
           <a:graphicData uri="http://schemas.openxmlformats.org/drawingml/2006/chart">
-            <c:chart xmlns:c="http://schemas.openxmlformats.org/drawingml/2006/chart" xmlns:r="http://schemas.openxmlformats.org/officeDocument/2006/relationships" r:id="rId3"/>
+            <c:chart xmlns:c="http://schemas.openxmlformats.org/drawingml/2006/chart" xmlns:r="http://schemas.openxmlformats.org/officeDocument/2006/relationships" r:id="rId4"/>
           </a:graphicData>
         </a:graphic>
       </p:graphicFrame>
@@ -44949,7 +44976,7 @@
         </p:xfrm>
         <a:graphic>
           <a:graphicData uri="http://schemas.openxmlformats.org/drawingml/2006/chart">
-            <c:chart xmlns:c="http://schemas.openxmlformats.org/drawingml/2006/chart" xmlns:r="http://schemas.openxmlformats.org/officeDocument/2006/relationships" r:id="rId4"/>
+            <c:chart xmlns:c="http://schemas.openxmlformats.org/drawingml/2006/chart" xmlns:r="http://schemas.openxmlformats.org/officeDocument/2006/relationships" r:id="rId5"/>
           </a:graphicData>
         </a:graphic>
       </p:graphicFrame>
@@ -45285,6 +45312,9 @@
         </p:txBody>
       </p:sp>
     </p:spTree>
+    <p:custDataLst>
+      <p:tags r:id="rId1"/>
+    </p:custDataLst>
     <p:extLst>
       <p:ext uri="{BB962C8B-B14F-4D97-AF65-F5344CB8AC3E}">
         <p14:creationId xmlns:p14="http://schemas.microsoft.com/office/powerpoint/2010/main" val="2209016178"/>
@@ -45973,6 +46003,9 @@
         </p:txBody>
       </p:sp>
     </p:spTree>
+    <p:custDataLst>
+      <p:tags r:id="rId1"/>
+    </p:custDataLst>
     <p:extLst>
       <p:ext uri="{BB962C8B-B14F-4D97-AF65-F5344CB8AC3E}">
         <p14:creationId xmlns:p14="http://schemas.microsoft.com/office/powerpoint/2010/main" val="3733801549"/>
@@ -46344,7 +46377,7 @@
         </p:xfrm>
         <a:graphic>
           <a:graphicData uri="http://schemas.openxmlformats.org/drawingml/2006/chart">
-            <c:chart xmlns:c="http://schemas.openxmlformats.org/drawingml/2006/chart" xmlns:r="http://schemas.openxmlformats.org/officeDocument/2006/relationships" r:id="rId3"/>
+            <c:chart xmlns:c="http://schemas.openxmlformats.org/drawingml/2006/chart" xmlns:r="http://schemas.openxmlformats.org/officeDocument/2006/relationships" r:id="rId4"/>
           </a:graphicData>
         </a:graphic>
       </p:graphicFrame>
@@ -46476,7 +46509,7 @@
         </p:xfrm>
         <a:graphic>
           <a:graphicData uri="http://schemas.openxmlformats.org/drawingml/2006/chart">
-            <c:chart xmlns:c="http://schemas.openxmlformats.org/drawingml/2006/chart" xmlns:r="http://schemas.openxmlformats.org/officeDocument/2006/relationships" r:id="rId4"/>
+            <c:chart xmlns:c="http://schemas.openxmlformats.org/drawingml/2006/chart" xmlns:r="http://schemas.openxmlformats.org/officeDocument/2006/relationships" r:id="rId5"/>
           </a:graphicData>
         </a:graphic>
       </p:graphicFrame>
@@ -46582,6 +46615,9 @@
         </p:txBody>
       </p:sp>
     </p:spTree>
+    <p:custDataLst>
+      <p:tags r:id="rId1"/>
+    </p:custDataLst>
     <p:extLst>
       <p:ext uri="{BB962C8B-B14F-4D97-AF65-F5344CB8AC3E}">
         <p14:creationId xmlns:p14="http://schemas.microsoft.com/office/powerpoint/2010/main" val="3246791749"/>
@@ -46631,7 +46667,7 @@
         </p:xfrm>
         <a:graphic>
           <a:graphicData uri="http://schemas.openxmlformats.org/drawingml/2006/chart">
-            <c:chart xmlns:c="http://schemas.openxmlformats.org/drawingml/2006/chart" xmlns:r="http://schemas.openxmlformats.org/officeDocument/2006/relationships" r:id="rId3"/>
+            <c:chart xmlns:c="http://schemas.openxmlformats.org/drawingml/2006/chart" xmlns:r="http://schemas.openxmlformats.org/officeDocument/2006/relationships" r:id="rId4"/>
           </a:graphicData>
         </a:graphic>
       </p:graphicFrame>
@@ -47071,7 +47107,7 @@
         </p:xfrm>
         <a:graphic>
           <a:graphicData uri="http://schemas.openxmlformats.org/drawingml/2006/chart">
-            <c:chart xmlns:c="http://schemas.openxmlformats.org/drawingml/2006/chart" xmlns:r="http://schemas.openxmlformats.org/officeDocument/2006/relationships" r:id="rId4"/>
+            <c:chart xmlns:c="http://schemas.openxmlformats.org/drawingml/2006/chart" xmlns:r="http://schemas.openxmlformats.org/officeDocument/2006/relationships" r:id="rId5"/>
           </a:graphicData>
         </a:graphic>
       </p:graphicFrame>
@@ -47166,6 +47202,9 @@
         </p:txBody>
       </p:sp>
     </p:spTree>
+    <p:custDataLst>
+      <p:tags r:id="rId1"/>
+    </p:custDataLst>
     <p:extLst>
       <p:ext uri="{BB962C8B-B14F-4D97-AF65-F5344CB8AC3E}">
         <p14:creationId xmlns:p14="http://schemas.microsoft.com/office/powerpoint/2010/main" val="3406842888"/>
@@ -47541,7 +47580,7 @@
         </p:xfrm>
         <a:graphic>
           <a:graphicData uri="http://schemas.openxmlformats.org/drawingml/2006/chart">
-            <c:chart xmlns:c="http://schemas.openxmlformats.org/drawingml/2006/chart" xmlns:r="http://schemas.openxmlformats.org/officeDocument/2006/relationships" r:id="rId3"/>
+            <c:chart xmlns:c="http://schemas.openxmlformats.org/drawingml/2006/chart" xmlns:r="http://schemas.openxmlformats.org/officeDocument/2006/relationships" r:id="rId4"/>
           </a:graphicData>
         </a:graphic>
       </p:graphicFrame>
@@ -47913,6 +47952,9 @@
         </p:txBody>
       </p:sp>
     </p:spTree>
+    <p:custDataLst>
+      <p:tags r:id="rId1"/>
+    </p:custDataLst>
     <p:extLst>
       <p:ext uri="{BB962C8B-B14F-4D97-AF65-F5344CB8AC3E}">
         <p14:creationId xmlns:p14="http://schemas.microsoft.com/office/powerpoint/2010/main" val="1097323793"/>
@@ -47962,7 +48004,7 @@
         </p:xfrm>
         <a:graphic>
           <a:graphicData uri="http://schemas.openxmlformats.org/drawingml/2006/chart">
-            <c:chart xmlns:c="http://schemas.openxmlformats.org/drawingml/2006/chart" xmlns:r="http://schemas.openxmlformats.org/officeDocument/2006/relationships" r:id="rId3"/>
+            <c:chart xmlns:c="http://schemas.openxmlformats.org/drawingml/2006/chart" xmlns:r="http://schemas.openxmlformats.org/officeDocument/2006/relationships" r:id="rId4"/>
           </a:graphicData>
         </a:graphic>
       </p:graphicFrame>
@@ -47986,7 +48028,7 @@
         </p:xfrm>
         <a:graphic>
           <a:graphicData uri="http://schemas.openxmlformats.org/drawingml/2006/chart">
-            <c:chart xmlns:c="http://schemas.openxmlformats.org/drawingml/2006/chart" xmlns:r="http://schemas.openxmlformats.org/officeDocument/2006/relationships" r:id="rId4"/>
+            <c:chart xmlns:c="http://schemas.openxmlformats.org/drawingml/2006/chart" xmlns:r="http://schemas.openxmlformats.org/officeDocument/2006/relationships" r:id="rId5"/>
           </a:graphicData>
         </a:graphic>
       </p:graphicFrame>
@@ -48741,6 +48783,9 @@
         </p:txBody>
       </p:sp>
     </p:spTree>
+    <p:custDataLst>
+      <p:tags r:id="rId1"/>
+    </p:custDataLst>
     <p:extLst>
       <p:ext uri="{BB962C8B-B14F-4D97-AF65-F5344CB8AC3E}">
         <p14:creationId xmlns:p14="http://schemas.microsoft.com/office/powerpoint/2010/main" val="1642835975"/>
@@ -48790,7 +48835,7 @@
         </p:xfrm>
         <a:graphic>
           <a:graphicData uri="http://schemas.openxmlformats.org/drawingml/2006/chart">
-            <c:chart xmlns:c="http://schemas.openxmlformats.org/drawingml/2006/chart" xmlns:r="http://schemas.openxmlformats.org/officeDocument/2006/relationships" r:id="rId3"/>
+            <c:chart xmlns:c="http://schemas.openxmlformats.org/drawingml/2006/chart" xmlns:r="http://schemas.openxmlformats.org/officeDocument/2006/relationships" r:id="rId4"/>
           </a:graphicData>
         </a:graphic>
       </p:graphicFrame>
@@ -48814,7 +48859,7 @@
         </p:xfrm>
         <a:graphic>
           <a:graphicData uri="http://schemas.openxmlformats.org/drawingml/2006/chart">
-            <c:chart xmlns:c="http://schemas.openxmlformats.org/drawingml/2006/chart" xmlns:r="http://schemas.openxmlformats.org/officeDocument/2006/relationships" r:id="rId4"/>
+            <c:chart xmlns:c="http://schemas.openxmlformats.org/drawingml/2006/chart" xmlns:r="http://schemas.openxmlformats.org/officeDocument/2006/relationships" r:id="rId5"/>
           </a:graphicData>
         </a:graphic>
       </p:graphicFrame>
@@ -49484,6 +49529,9 @@
         </p:txBody>
       </p:sp>
     </p:spTree>
+    <p:custDataLst>
+      <p:tags r:id="rId1"/>
+    </p:custDataLst>
     <p:extLst>
       <p:ext uri="{BB962C8B-B14F-4D97-AF65-F5344CB8AC3E}">
         <p14:creationId xmlns:p14="http://schemas.microsoft.com/office/powerpoint/2010/main" val="2088665552"/>
@@ -49533,7 +49581,7 @@
         </p:xfrm>
         <a:graphic>
           <a:graphicData uri="http://schemas.openxmlformats.org/drawingml/2006/chart">
-            <c:chart xmlns:c="http://schemas.openxmlformats.org/drawingml/2006/chart" xmlns:r="http://schemas.openxmlformats.org/officeDocument/2006/relationships" r:id="rId3"/>
+            <c:chart xmlns:c="http://schemas.openxmlformats.org/drawingml/2006/chart" xmlns:r="http://schemas.openxmlformats.org/officeDocument/2006/relationships" r:id="rId4"/>
           </a:graphicData>
         </a:graphic>
       </p:graphicFrame>
@@ -49557,7 +49605,7 @@
         </p:xfrm>
         <a:graphic>
           <a:graphicData uri="http://schemas.openxmlformats.org/drawingml/2006/chart">
-            <c:chart xmlns:c="http://schemas.openxmlformats.org/drawingml/2006/chart" xmlns:r="http://schemas.openxmlformats.org/officeDocument/2006/relationships" r:id="rId4"/>
+            <c:chart xmlns:c="http://schemas.openxmlformats.org/drawingml/2006/chart" xmlns:r="http://schemas.openxmlformats.org/officeDocument/2006/relationships" r:id="rId5"/>
           </a:graphicData>
         </a:graphic>
       </p:graphicFrame>
@@ -50023,6 +50071,9 @@
         </p:txBody>
       </p:sp>
     </p:spTree>
+    <p:custDataLst>
+      <p:tags r:id="rId1"/>
+    </p:custDataLst>
     <p:extLst>
       <p:ext uri="{BB962C8B-B14F-4D97-AF65-F5344CB8AC3E}">
         <p14:creationId xmlns:p14="http://schemas.microsoft.com/office/powerpoint/2010/main" val="1785885218"/>
@@ -50086,7 +50137,7 @@
           </p:xfrm>
           <a:graphic>
             <a:graphicData uri="http://schemas.openxmlformats.org/drawingml/2006/chart">
-              <c:chart xmlns:c="http://schemas.openxmlformats.org/drawingml/2006/chart" xmlns:r="http://schemas.openxmlformats.org/officeDocument/2006/relationships" r:id="rId3"/>
+              <c:chart xmlns:c="http://schemas.openxmlformats.org/drawingml/2006/chart" xmlns:r="http://schemas.openxmlformats.org/officeDocument/2006/relationships" r:id="rId4"/>
             </a:graphicData>
           </a:graphic>
         </p:graphicFrame>
@@ -50421,7 +50472,7 @@
           </p:xfrm>
           <a:graphic>
             <a:graphicData uri="http://schemas.openxmlformats.org/drawingml/2006/chart">
-              <c:chart xmlns:c="http://schemas.openxmlformats.org/drawingml/2006/chart" xmlns:r="http://schemas.openxmlformats.org/officeDocument/2006/relationships" r:id="rId4"/>
+              <c:chart xmlns:c="http://schemas.openxmlformats.org/drawingml/2006/chart" xmlns:r="http://schemas.openxmlformats.org/officeDocument/2006/relationships" r:id="rId5"/>
             </a:graphicData>
           </a:graphic>
         </p:graphicFrame>
@@ -51142,6 +51193,9 @@
         </p:txBody>
       </p:sp>
     </p:spTree>
+    <p:custDataLst>
+      <p:tags r:id="rId1"/>
+    </p:custDataLst>
     <p:extLst>
       <p:ext uri="{BB962C8B-B14F-4D97-AF65-F5344CB8AC3E}">
         <p14:creationId xmlns:p14="http://schemas.microsoft.com/office/powerpoint/2010/main" val="115139186"/>
@@ -51303,13 +51357,121 @@
   <p:tag name="ISPRING_SCORM_RATE_SLIDES" val="1"/>
   <p:tag name="ISPRINGCLOUDFOLDERID" val="1"/>
   <p:tag name="ISPRINGONLINEFOLDERID" val="1"/>
-  <p:tag name="ISPRING_OUTPUT_FOLDER" val="[[&quot;x6\&quot;T{0A1F2BAE-1CEA-4DCF-97F0-F7F7D714EBC9}&quot;,&quot;C:\\Users\\kejun.chang\\Documents\\GitHub\\efw4_online_ppt&quot;]]"/>
-  <p:tag name="ISPRING_PUBLISH_SETTINGS" val="{&quot;commonSettings&quot;:{&quot;webSettings&quot;:{&quot;useMobileViewer&quot;:&quot;T_FALSE&quot;},&quot;lmsSettings&quot;:{&quot;useMobileViewer&quot;:&quot;T_FALSE&quot;},&quot;cloudSettings&quot;:{&quot;useMobileViewer&quot;:&quot;T_FALSE&quot;},&quot;ispringLmsSettings&quot;:{&quot;useMobileViewer&quot;:&quot;T_FALSE&quot;},&quot;playerId&quot;:&quot;free&quot;},&quot;advancedSettings&quot;:{&quot;enableTextAllocation&quot;:&quot;T_TRUE&quot;,&quot;viewingFromLocalDrive&quot;:&quot;T_TRUE&quot;,&quot;contentScale&quot;:75,&quot;contentScaleMode&quot;:&quot;SCALE&quot;},&quot;compressionSettings&quot;:{&quot;imageSettings&quot;:{&quot;jpegQuality&quot;:70,&quot;optimizeImageForResolution&quot;:&quot;T_FALSE&quot;},&quot;audioQuality&quot;:70,&quot;videoQuality&quot;:65},&quot;protectionSettings&quot;:{&quot;watermarkEnabled&quot;:&quot;T_FALSE&quot;,&quot;watermarkPosition&quot;:&quot;MIDDLE_CENTER&quot;,&quot;openWatermarkUrl&quot;:&quot;T_FALSE&quot;,&quot;openWatermarkWebPageInNewWindow&quot;:&quot;T_FALSE&quot;,&quot;displayAfterEnabled&quot;:&quot;T_FALSE&quot;,&quot;displayUntilEnabled&quot;:&quot;T_FALSE&quot;,&quot;domainRestrictionEnabled&quot;:&quot;T_FALSE&quot;,&quot;enablePassword&quot;:&quot;T_FALSE&quot;},&quot;videoSettings&quot;:{&quot;videoCompressionSettings&quot;:{&quot;audioQuality&quot;:70,&quot;videoQuality&quot;:75},&quot;secondsOnEachSlide&quot;:5,&quot;hostingSettings&quot;:{}},&quot;ispringOnlineSettings&quot;:{&quot;onlineDestinationFolderId&quot;:&quot;1&quot;},&quot;cloudSettings&quot;:{&quot;onlineDestinationFolderId&quot;:&quot;1&quot;},&quot;wordSettings&quot;:{&quot;printCopies&quot;:1}}"/>
   <p:tag name="ISPRING_SCORM_PASSING_SCORE" val="100.000000"/>
-  <p:tag name="ISPRING_ULTRA_SCORM_COURCE_TITLE" val="アクセスログを覗くv0.1"/>
+  <p:tag name="ISPRING_ULTRA_SCORM_COURCE_TITLE" val="アクセスログを覗くv0.2"/>
   <p:tag name="ISPRING_SCORM_ENDPOINT" val="&lt;endpoint&gt;&lt;enable&gt;0&lt;/enable&gt;&lt;lrs&gt;http://&lt;/lrs&gt;&lt;auth&gt;0&lt;/auth&gt;&lt;login&gt;&lt;/login&gt;&lt;password&gt;&lt;/password&gt;&lt;key&gt;&lt;/key&gt;&lt;name&gt;&lt;/name&gt;&lt;email&gt;&lt;/email&gt;&lt;/endpoint&gt;&#10;"/>
+  <p:tag name="ISPRING_OUTPUT_FOLDER" val="[[&quot;f\uFFFD_\u0000{F3869DA2-F2D5-46CF-899A-5B1CA6DA96AF}&quot;,&quot;C:\\Users\\kejun.chang\\Documents\\GitHub\\efw4_online_ppt&quot;],[&quot;x6\&quot;T{0A1F2BAE-1CEA-4DCF-97F0-F7F7D714EBC9}&quot;,&quot;C:\\Users\\kejun.chang\\Documents\\GitHub\\efw4_online_ppt&quot;]]"/>
+  <p:tag name="ISPRING_PUBLISH_SETTINGS" val="{&quot;commonSettings&quot;:{&quot;webSettings&quot;:{&quot;useMobileViewer&quot;:&quot;T_FALSE&quot;},&quot;lmsSettings&quot;:{&quot;useMobileViewer&quot;:&quot;T_FALSE&quot;},&quot;cloudSettings&quot;:{&quot;useMobileViewer&quot;:&quot;T_FALSE&quot;},&quot;ispringLmsSettings&quot;:{&quot;useMobileViewer&quot;:&quot;T_FALSE&quot;},&quot;playerId&quot;:&quot;universal&quot;,&quot;studioSettings&quot;:{&quot;useMobileViewer&quot;:&quot;T_FALSE&quot;}},&quot;advancedSettings&quot;:{&quot;enableTextAllocation&quot;:&quot;T_TRUE&quot;,&quot;viewingFromLocalDrive&quot;:&quot;T_TRUE&quot;,&quot;contentScale&quot;:75,&quot;contentScaleMode&quot;:&quot;SCALE&quot;},&quot;accessibilitySettings&quot;:{&quot;enabled&quot;:&quot;T_FALSE&quot;},&quot;compressionSettings&quot;:{&quot;imageSettings&quot;:{&quot;jpegQuality&quot;:70,&quot;optimizeImageForResolution&quot;:&quot;T_FALSE&quot;},&quot;audioQuality&quot;:70,&quot;videoQuality&quot;:65},&quot;protectionSettings&quot;:{&quot;watermarkEnabled&quot;:&quot;T_FALSE&quot;,&quot;watermarkPosition&quot;:&quot;MIDDLE_CENTER&quot;,&quot;openWatermarkUrl&quot;:&quot;T_FALSE&quot;,&quot;openWatermarkWebPageInNewWindow&quot;:&quot;T_FALSE&quot;,&quot;displayAfterEnabled&quot;:&quot;T_FALSE&quot;,&quot;displayUntilEnabled&quot;:&quot;T_FALSE&quot;,&quot;domainRestrictionEnabled&quot;:&quot;T_FALSE&quot;,&quot;enablePassword&quot;:&quot;T_FALSE&quot;},&quot;videoSettings&quot;:{&quot;videoCompressionSettings&quot;:{&quot;audioQuality&quot;:70,&quot;videoQuality&quot;:75},&quot;secondsOnEachSlide&quot;:5,&quot;hostingSettings&quot;:{}},&quot;ispringOnlineSettings&quot;:{&quot;onlineDestinationFolderId&quot;:&quot;1&quot;},&quot;cloudSettings&quot;:{&quot;onlineDestinationFolderId&quot;:&quot;1&quot;},&quot;wordSettings&quot;:{&quot;printCopies&quot;:1},&quot;studioSettings&quot;:{}}"/>
   <p:tag name="ISPRING_SCORM_RATE_QUIZZES" val="0"/>
-  <p:tag name="ISPRING_PRESENTATION_TITLE" val="アクセスログを覗くv0.1"/>
+  <p:tag name="ISPRING_PRESENTATION_TITLE" val="アクセスログを覗くv0.2"/>
+</p:tagLst>
+</file>
+
+<file path=ppt/tags/tag10.xml><?xml version="1.0" encoding="utf-8"?>
+<p:tagLst xmlns:a="http://schemas.openxmlformats.org/drawingml/2006/main" xmlns:r="http://schemas.openxmlformats.org/officeDocument/2006/relationships" xmlns:p="http://schemas.openxmlformats.org/presentationml/2006/main">
+  <p:tag name="GENSWF_SLIDE_UID" val="{97DD2246-6978-42B4-B53C-EA3263153EDF}:439"/>
+</p:tagLst>
+</file>
+
+<file path=ppt/tags/tag11.xml><?xml version="1.0" encoding="utf-8"?>
+<p:tagLst xmlns:a="http://schemas.openxmlformats.org/drawingml/2006/main" xmlns:r="http://schemas.openxmlformats.org/officeDocument/2006/relationships" xmlns:p="http://schemas.openxmlformats.org/presentationml/2006/main">
+  <p:tag name="GENSWF_SLIDE_UID" val="{4199C28C-0359-40D1-8F00-1860BF09CA11}:440"/>
+</p:tagLst>
+</file>
+
+<file path=ppt/tags/tag12.xml><?xml version="1.0" encoding="utf-8"?>
+<p:tagLst xmlns:a="http://schemas.openxmlformats.org/drawingml/2006/main" xmlns:r="http://schemas.openxmlformats.org/officeDocument/2006/relationships" xmlns:p="http://schemas.openxmlformats.org/presentationml/2006/main">
+  <p:tag name="GENSWF_SLIDE_UID" val="{5331632A-A849-424E-B285-0262DFFD1C8F}:441"/>
+</p:tagLst>
+</file>
+
+<file path=ppt/tags/tag13.xml><?xml version="1.0" encoding="utf-8"?>
+<p:tagLst xmlns:a="http://schemas.openxmlformats.org/drawingml/2006/main" xmlns:r="http://schemas.openxmlformats.org/officeDocument/2006/relationships" xmlns:p="http://schemas.openxmlformats.org/presentationml/2006/main">
+  <p:tag name="GENSWF_SLIDE_UID" val="{F6B31139-4993-4EC0-97A3-21AFDA4E5A84}:443"/>
+</p:tagLst>
+</file>
+
+<file path=ppt/tags/tag14.xml><?xml version="1.0" encoding="utf-8"?>
+<p:tagLst xmlns:a="http://schemas.openxmlformats.org/drawingml/2006/main" xmlns:r="http://schemas.openxmlformats.org/officeDocument/2006/relationships" xmlns:p="http://schemas.openxmlformats.org/presentationml/2006/main">
+  <p:tag name="GENSWF_SLIDE_UID" val="{1263A9A1-D839-49A2-BFE6-B973F080207C}:444"/>
+</p:tagLst>
+</file>
+
+<file path=ppt/tags/tag15.xml><?xml version="1.0" encoding="utf-8"?>
+<p:tagLst xmlns:a="http://schemas.openxmlformats.org/drawingml/2006/main" xmlns:r="http://schemas.openxmlformats.org/officeDocument/2006/relationships" xmlns:p="http://schemas.openxmlformats.org/presentationml/2006/main">
+  <p:tag name="GENSWF_SLIDE_UID" val="{B61E661F-9288-4E9B-8AB0-30A3F27A023A}:445"/>
+</p:tagLst>
+</file>
+
+<file path=ppt/tags/tag16.xml><?xml version="1.0" encoding="utf-8"?>
+<p:tagLst xmlns:a="http://schemas.openxmlformats.org/drawingml/2006/main" xmlns:r="http://schemas.openxmlformats.org/officeDocument/2006/relationships" xmlns:p="http://schemas.openxmlformats.org/presentationml/2006/main">
+  <p:tag name="GENSWF_SLIDE_UID" val="{D1F0B04B-9658-4768-8F55-A2A348BBC429}:446"/>
+</p:tagLst>
+</file>
+
+<file path=ppt/tags/tag17.xml><?xml version="1.0" encoding="utf-8"?>
+<p:tagLst xmlns:a="http://schemas.openxmlformats.org/drawingml/2006/main" xmlns:r="http://schemas.openxmlformats.org/officeDocument/2006/relationships" xmlns:p="http://schemas.openxmlformats.org/presentationml/2006/main">
+  <p:tag name="GENSWF_SLIDE_UID" val="{E8CF7D7A-9EF8-4DF3-A675-D0EB02081F7B}:448"/>
+</p:tagLst>
+</file>
+
+<file path=ppt/tags/tag18.xml><?xml version="1.0" encoding="utf-8"?>
+<p:tagLst xmlns:a="http://schemas.openxmlformats.org/drawingml/2006/main" xmlns:r="http://schemas.openxmlformats.org/officeDocument/2006/relationships" xmlns:p="http://schemas.openxmlformats.org/presentationml/2006/main">
+  <p:tag name="GENSWF_SLIDE_UID" val="{0381012D-4DDD-4988-888C-341FE481EEB6}:447"/>
+</p:tagLst>
+</file>
+
+<file path=ppt/tags/tag19.xml><?xml version="1.0" encoding="utf-8"?>
+<p:tagLst xmlns:a="http://schemas.openxmlformats.org/drawingml/2006/main" xmlns:r="http://schemas.openxmlformats.org/officeDocument/2006/relationships" xmlns:p="http://schemas.openxmlformats.org/presentationml/2006/main">
+  <p:tag name="GENSWF_SLIDE_UID" val="{BDC470A7-32FB-414C-93AC-5FC8662433E6}:449"/>
+</p:tagLst>
+</file>
+
+<file path=ppt/tags/tag2.xml><?xml version="1.0" encoding="utf-8"?>
+<p:tagLst xmlns:a="http://schemas.openxmlformats.org/drawingml/2006/main" xmlns:r="http://schemas.openxmlformats.org/officeDocument/2006/relationships" xmlns:p="http://schemas.openxmlformats.org/presentationml/2006/main">
+  <p:tag name="GENSWF_SLIDE_UID" val="{3E7002C0-2250-47A7-A4CF-97F91F30D10E}:392"/>
+</p:tagLst>
+</file>
+
+<file path=ppt/tags/tag3.xml><?xml version="1.0" encoding="utf-8"?>
+<p:tagLst xmlns:a="http://schemas.openxmlformats.org/drawingml/2006/main" xmlns:r="http://schemas.openxmlformats.org/officeDocument/2006/relationships" xmlns:p="http://schemas.openxmlformats.org/presentationml/2006/main">
+  <p:tag name="GENSWF_SLIDE_UID" val="{A6EBA078-3D06-43AE-8FA8-14693810593B}:434"/>
+</p:tagLst>
+</file>
+
+<file path=ppt/tags/tag4.xml><?xml version="1.0" encoding="utf-8"?>
+<p:tagLst xmlns:a="http://schemas.openxmlformats.org/drawingml/2006/main" xmlns:r="http://schemas.openxmlformats.org/officeDocument/2006/relationships" xmlns:p="http://schemas.openxmlformats.org/presentationml/2006/main">
+  <p:tag name="GENSWF_SLIDE_UID" val="{F23956CB-BE50-4919-B529-53C432877ACE}:442"/>
+</p:tagLst>
+</file>
+
+<file path=ppt/tags/tag5.xml><?xml version="1.0" encoding="utf-8"?>
+<p:tagLst xmlns:a="http://schemas.openxmlformats.org/drawingml/2006/main" xmlns:r="http://schemas.openxmlformats.org/officeDocument/2006/relationships" xmlns:p="http://schemas.openxmlformats.org/presentationml/2006/main">
+  <p:tag name="GENSWF_SLIDE_UID" val="{8055453B-53E6-4606-9F01-E58F49884FF4}:431"/>
+</p:tagLst>
+</file>
+
+<file path=ppt/tags/tag6.xml><?xml version="1.0" encoding="utf-8"?>
+<p:tagLst xmlns:a="http://schemas.openxmlformats.org/drawingml/2006/main" xmlns:r="http://schemas.openxmlformats.org/officeDocument/2006/relationships" xmlns:p="http://schemas.openxmlformats.org/presentationml/2006/main">
+  <p:tag name="GENSWF_SLIDE_UID" val="{CF483137-0E29-43F8-BFCB-C84D8FFD7A33}:435"/>
+</p:tagLst>
+</file>
+
+<file path=ppt/tags/tag7.xml><?xml version="1.0" encoding="utf-8"?>
+<p:tagLst xmlns:a="http://schemas.openxmlformats.org/drawingml/2006/main" xmlns:r="http://schemas.openxmlformats.org/officeDocument/2006/relationships" xmlns:p="http://schemas.openxmlformats.org/presentationml/2006/main">
+  <p:tag name="GENSWF_SLIDE_UID" val="{0E689FBE-2E08-4CDB-95B3-0EFF5433DF4A}:436"/>
+</p:tagLst>
+</file>
+
+<file path=ppt/tags/tag8.xml><?xml version="1.0" encoding="utf-8"?>
+<p:tagLst xmlns:a="http://schemas.openxmlformats.org/drawingml/2006/main" xmlns:r="http://schemas.openxmlformats.org/officeDocument/2006/relationships" xmlns:p="http://schemas.openxmlformats.org/presentationml/2006/main">
+  <p:tag name="GENSWF_SLIDE_UID" val="{3AA89D03-BE60-45A7-BA96-1D4159A7FE82}:437"/>
+</p:tagLst>
+</file>
+
+<file path=ppt/tags/tag9.xml><?xml version="1.0" encoding="utf-8"?>
+<p:tagLst xmlns:a="http://schemas.openxmlformats.org/drawingml/2006/main" xmlns:r="http://schemas.openxmlformats.org/officeDocument/2006/relationships" xmlns:p="http://schemas.openxmlformats.org/presentationml/2006/main">
+  <p:tag name="GENSWF_SLIDE_UID" val="{2980D5C8-84E8-421C-B22A-475697532B50}:438"/>
 </p:tagLst>
 </file>
 
